--- a/docs/resources/Fig3.pptx
+++ b/docs/resources/Fig3.pptx
@@ -10506,6 +10506,162 @@
           </p:txBody>
         </p:sp>
       </p:grpSp>
+      <p:sp>
+        <p:nvSpPr>
+          <p:cNvPr id="165" name="CuadroTexto 164">
+            <a:extLst>
+              <a:ext uri="{FF2B5EF4-FFF2-40B4-BE49-F238E27FC236}">
+                <a16:creationId xmlns:a16="http://schemas.microsoft.com/office/drawing/2014/main" id="{21D91D75-A76C-44A0-9EE1-24A879AD114C}"/>
+              </a:ext>
+            </a:extLst>
+          </p:cNvPr>
+          <p:cNvSpPr txBox="1"/>
+          <p:nvPr/>
+        </p:nvSpPr>
+        <p:spPr>
+          <a:xfrm>
+            <a:off x="396955" y="3999606"/>
+            <a:ext cx="2281521" cy="400110"/>
+          </a:xfrm>
+          <a:prstGeom prst="rect">
+            <a:avLst/>
+          </a:prstGeom>
+          <a:noFill/>
+        </p:spPr>
+        <p:txBody>
+          <a:bodyPr wrap="square" rtlCol="0">
+            <a:spAutoFit/>
+          </a:bodyPr>
+          <a:lstStyle/>
+          <a:p>
+            <a:pPr algn="ctr"/>
+            <a:r>
+              <a:rPr lang="es-ES" sz="2000" dirty="0">
+                <a:latin typeface="Cambria Math" panose="02040503050406030204" pitchFamily="18" charset="0"/>
+                <a:ea typeface="Cambria Math" panose="02040503050406030204" pitchFamily="18" charset="0"/>
+              </a:rPr>
+              <a:t>Progenitor 1</a:t>
+            </a:r>
+          </a:p>
+        </p:txBody>
+      </p:sp>
+      <p:sp>
+        <p:nvSpPr>
+          <p:cNvPr id="169" name="CuadroTexto 168">
+            <a:extLst>
+              <a:ext uri="{FF2B5EF4-FFF2-40B4-BE49-F238E27FC236}">
+                <a16:creationId xmlns:a16="http://schemas.microsoft.com/office/drawing/2014/main" id="{B7E88E21-C073-43AD-BED9-FD15A4B14691}"/>
+              </a:ext>
+            </a:extLst>
+          </p:cNvPr>
+          <p:cNvSpPr txBox="1"/>
+          <p:nvPr/>
+        </p:nvSpPr>
+        <p:spPr>
+          <a:xfrm>
+            <a:off x="2914871" y="4002746"/>
+            <a:ext cx="2891847" cy="400110"/>
+          </a:xfrm>
+          <a:prstGeom prst="rect">
+            <a:avLst/>
+          </a:prstGeom>
+          <a:noFill/>
+        </p:spPr>
+        <p:txBody>
+          <a:bodyPr wrap="square" rtlCol="0">
+            <a:spAutoFit/>
+          </a:bodyPr>
+          <a:lstStyle/>
+          <a:p>
+            <a:pPr algn="ctr"/>
+            <a:r>
+              <a:rPr lang="es-ES" sz="2000" dirty="0">
+                <a:latin typeface="Cambria Math" panose="02040503050406030204" pitchFamily="18" charset="0"/>
+                <a:ea typeface="Cambria Math" panose="02040503050406030204" pitchFamily="18" charset="0"/>
+              </a:rPr>
+              <a:t>Progenitor 2</a:t>
+            </a:r>
+          </a:p>
+        </p:txBody>
+      </p:sp>
+      <p:sp>
+        <p:nvSpPr>
+          <p:cNvPr id="171" name="CuadroTexto 170">
+            <a:extLst>
+              <a:ext uri="{FF2B5EF4-FFF2-40B4-BE49-F238E27FC236}">
+                <a16:creationId xmlns:a16="http://schemas.microsoft.com/office/drawing/2014/main" id="{C35B9E0A-9432-436F-8A6C-21CEE972D930}"/>
+              </a:ext>
+            </a:extLst>
+          </p:cNvPr>
+          <p:cNvSpPr txBox="1"/>
+          <p:nvPr/>
+        </p:nvSpPr>
+        <p:spPr>
+          <a:xfrm>
+            <a:off x="5781019" y="1688437"/>
+            <a:ext cx="2885784" cy="400110"/>
+          </a:xfrm>
+          <a:prstGeom prst="rect">
+            <a:avLst/>
+          </a:prstGeom>
+          <a:noFill/>
+        </p:spPr>
+        <p:txBody>
+          <a:bodyPr wrap="square" rtlCol="0">
+            <a:spAutoFit/>
+          </a:bodyPr>
+          <a:lstStyle/>
+          <a:p>
+            <a:pPr algn="ctr"/>
+            <a:r>
+              <a:rPr lang="es-ES" sz="2000" dirty="0">
+                <a:latin typeface="Cambria Math" panose="02040503050406030204" pitchFamily="18" charset="0"/>
+                <a:ea typeface="Cambria Math" panose="02040503050406030204" pitchFamily="18" charset="0"/>
+              </a:rPr>
+              <a:t>Descendiente 1</a:t>
+            </a:r>
+          </a:p>
+        </p:txBody>
+      </p:sp>
+      <p:sp>
+        <p:nvSpPr>
+          <p:cNvPr id="175" name="CuadroTexto 174">
+            <a:extLst>
+              <a:ext uri="{FF2B5EF4-FFF2-40B4-BE49-F238E27FC236}">
+                <a16:creationId xmlns:a16="http://schemas.microsoft.com/office/drawing/2014/main" id="{81D60408-4E04-46B5-81D1-965FB9477184}"/>
+              </a:ext>
+            </a:extLst>
+          </p:cNvPr>
+          <p:cNvSpPr txBox="1"/>
+          <p:nvPr/>
+        </p:nvSpPr>
+        <p:spPr>
+          <a:xfrm>
+            <a:off x="9512752" y="1690753"/>
+            <a:ext cx="2280908" cy="400110"/>
+          </a:xfrm>
+          <a:prstGeom prst="rect">
+            <a:avLst/>
+          </a:prstGeom>
+          <a:noFill/>
+        </p:spPr>
+        <p:txBody>
+          <a:bodyPr wrap="square" rtlCol="0">
+            <a:spAutoFit/>
+          </a:bodyPr>
+          <a:lstStyle/>
+          <a:p>
+            <a:pPr algn="ctr"/>
+            <a:r>
+              <a:rPr lang="es-ES" sz="2000" dirty="0">
+                <a:latin typeface="Cambria Math" panose="02040503050406030204" pitchFamily="18" charset="0"/>
+                <a:ea typeface="Cambria Math" panose="02040503050406030204" pitchFamily="18" charset="0"/>
+              </a:rPr>
+              <a:t>Descendiente 2</a:t>
+            </a:r>
+          </a:p>
+        </p:txBody>
+      </p:sp>
     </p:spTree>
     <p:extLst>
       <p:ext uri="{BB962C8B-B14F-4D97-AF65-F5344CB8AC3E}">
